--- a/ppt/4 数学函数和字符串.pptx
+++ b/ppt/4 数学函数和字符串.pptx
@@ -234,7 +234,7 @@
           <a:p>
             <a:fld id="{66C3546E-20F6-7649-A9A4-4E4A245D3E82}" type="datetimeFigureOut">
               <a:rPr kumimoji="1" lang="zh-CN" altLang="en-US" smtClean="0"/>
-              <a:t>2020/2/23</a:t>
+              <a:t>2021/3/7</a:t>
             </a:fld>
             <a:endParaRPr kumimoji="1" lang="zh-CN" altLang="en-US"/>
           </a:p>
@@ -1717,7 +1717,7 @@
           <a:p>
             <a:fld id="{1C49BB65-7B3F-4D4E-A397-BBFD82890A5A}" type="datetimeFigureOut">
               <a:rPr kumimoji="1" lang="zh-CN" altLang="en-US" smtClean="0"/>
-              <a:t>2020/2/23</a:t>
+              <a:t>2021/3/7</a:t>
             </a:fld>
             <a:endParaRPr kumimoji="1" lang="zh-CN" altLang="en-US"/>
           </a:p>
@@ -1915,7 +1915,7 @@
           <a:p>
             <a:fld id="{1C49BB65-7B3F-4D4E-A397-BBFD82890A5A}" type="datetimeFigureOut">
               <a:rPr kumimoji="1" lang="zh-CN" altLang="en-US" smtClean="0"/>
-              <a:t>2020/2/23</a:t>
+              <a:t>2021/3/7</a:t>
             </a:fld>
             <a:endParaRPr kumimoji="1" lang="zh-CN" altLang="en-US"/>
           </a:p>
@@ -2123,7 +2123,7 @@
           <a:p>
             <a:fld id="{1C49BB65-7B3F-4D4E-A397-BBFD82890A5A}" type="datetimeFigureOut">
               <a:rPr kumimoji="1" lang="zh-CN" altLang="en-US" smtClean="0"/>
-              <a:t>2020/2/23</a:t>
+              <a:t>2021/3/7</a:t>
             </a:fld>
             <a:endParaRPr kumimoji="1" lang="zh-CN" altLang="en-US"/>
           </a:p>
@@ -2321,7 +2321,7 @@
           <a:p>
             <a:fld id="{1C49BB65-7B3F-4D4E-A397-BBFD82890A5A}" type="datetimeFigureOut">
               <a:rPr kumimoji="1" lang="zh-CN" altLang="en-US" smtClean="0"/>
-              <a:t>2020/2/23</a:t>
+              <a:t>2021/3/7</a:t>
             </a:fld>
             <a:endParaRPr kumimoji="1" lang="zh-CN" altLang="en-US"/>
           </a:p>
@@ -2596,7 +2596,7 @@
           <a:p>
             <a:fld id="{1C49BB65-7B3F-4D4E-A397-BBFD82890A5A}" type="datetimeFigureOut">
               <a:rPr kumimoji="1" lang="zh-CN" altLang="en-US" smtClean="0"/>
-              <a:t>2020/2/23</a:t>
+              <a:t>2021/3/7</a:t>
             </a:fld>
             <a:endParaRPr kumimoji="1" lang="zh-CN" altLang="en-US"/>
           </a:p>
@@ -2861,7 +2861,7 @@
           <a:p>
             <a:fld id="{1C49BB65-7B3F-4D4E-A397-BBFD82890A5A}" type="datetimeFigureOut">
               <a:rPr kumimoji="1" lang="zh-CN" altLang="en-US" smtClean="0"/>
-              <a:t>2020/2/23</a:t>
+              <a:t>2021/3/7</a:t>
             </a:fld>
             <a:endParaRPr kumimoji="1" lang="zh-CN" altLang="en-US"/>
           </a:p>
@@ -3273,7 +3273,7 @@
           <a:p>
             <a:fld id="{1C49BB65-7B3F-4D4E-A397-BBFD82890A5A}" type="datetimeFigureOut">
               <a:rPr kumimoji="1" lang="zh-CN" altLang="en-US" smtClean="0"/>
-              <a:t>2020/2/23</a:t>
+              <a:t>2021/3/7</a:t>
             </a:fld>
             <a:endParaRPr kumimoji="1" lang="zh-CN" altLang="en-US"/>
           </a:p>
@@ -3414,7 +3414,7 @@
           <a:p>
             <a:fld id="{1C49BB65-7B3F-4D4E-A397-BBFD82890A5A}" type="datetimeFigureOut">
               <a:rPr kumimoji="1" lang="zh-CN" altLang="en-US" smtClean="0"/>
-              <a:t>2020/2/23</a:t>
+              <a:t>2021/3/7</a:t>
             </a:fld>
             <a:endParaRPr kumimoji="1" lang="zh-CN" altLang="en-US"/>
           </a:p>
@@ -3784,7 +3784,7 @@
           <a:p>
             <a:fld id="{1C49BB65-7B3F-4D4E-A397-BBFD82890A5A}" type="datetimeFigureOut">
               <a:rPr kumimoji="1" lang="zh-CN" altLang="en-US" smtClean="0"/>
-              <a:t>2020/2/23</a:t>
+              <a:t>2021/3/7</a:t>
             </a:fld>
             <a:endParaRPr kumimoji="1" lang="zh-CN" altLang="en-US"/>
           </a:p>
@@ -4072,7 +4072,7 @@
           <a:p>
             <a:fld id="{1C49BB65-7B3F-4D4E-A397-BBFD82890A5A}" type="datetimeFigureOut">
               <a:rPr kumimoji="1" lang="zh-CN" altLang="en-US" smtClean="0"/>
-              <a:t>2020/2/23</a:t>
+              <a:t>2021/3/7</a:t>
             </a:fld>
             <a:endParaRPr kumimoji="1" lang="zh-CN" altLang="en-US"/>
           </a:p>
@@ -4313,7 +4313,7 @@
           <a:p>
             <a:fld id="{1C49BB65-7B3F-4D4E-A397-BBFD82890A5A}" type="datetimeFigureOut">
               <a:rPr kumimoji="1" lang="zh-CN" altLang="en-US" smtClean="0"/>
-              <a:t>2020/2/23</a:t>
+              <a:t>2021/3/7</a:t>
             </a:fld>
             <a:endParaRPr kumimoji="1" lang="zh-CN" altLang="en-US"/>
           </a:p>
